--- a/Class 11 Clustering.pptx
+++ b/Class 11 Clustering.pptx
@@ -5,7 +5,7 @@
     <p:sldMasterId id="2147483648" r:id="rId1"/>
   </p:sldMasterIdLst>
   <p:notesMasterIdLst>
-    <p:notesMasterId r:id="rId29"/>
+    <p:notesMasterId r:id="rId35"/>
   </p:notesMasterIdLst>
   <p:sldIdLst>
     <p:sldId id="256" r:id="rId2"/>
@@ -35,6 +35,12 @@
     <p:sldId id="340" r:id="rId26"/>
     <p:sldId id="342" r:id="rId27"/>
     <p:sldId id="341" r:id="rId28"/>
+    <p:sldId id="343" r:id="rId29"/>
+    <p:sldId id="344" r:id="rId30"/>
+    <p:sldId id="345" r:id="rId31"/>
+    <p:sldId id="346" r:id="rId32"/>
+    <p:sldId id="347" r:id="rId33"/>
+    <p:sldId id="348" r:id="rId34"/>
   </p:sldIdLst>
   <p:sldSz cx="12192000" cy="6858000"/>
   <p:notesSz cx="6858000" cy="9144000"/>
@@ -165,6 +171,12 @@
             <p14:sldId id="340"/>
             <p14:sldId id="342"/>
             <p14:sldId id="341"/>
+            <p14:sldId id="343"/>
+            <p14:sldId id="344"/>
+            <p14:sldId id="345"/>
+            <p14:sldId id="346"/>
+            <p14:sldId id="347"/>
+            <p14:sldId id="348"/>
           </p14:sldIdLst>
         </p14:section>
       </p14:sectionLst>
@@ -179,9 +191,264 @@
 <file path=ppt/revisionInfo.xml><?xml version="1.0" encoding="utf-8"?>
 <p1510:revInfo xmlns:a="http://schemas.openxmlformats.org/drawingml/2006/main" xmlns:r="http://schemas.openxmlformats.org/officeDocument/2006/relationships" xmlns:p1510="http://schemas.microsoft.com/office/powerpoint/2015/10/main">
   <p1510:revLst>
-    <p1510:client id="{2BDF5F94-25E3-9D4C-BAA4-857D03F65844}" v="210" dt="2021-11-10T23:52:50.206"/>
+    <p1510:client id="{2BDF5F94-25E3-9D4C-BAA4-857D03F65844}" v="223" dt="2021-11-13T17:53:06.242"/>
   </p1510:revLst>
 </p1510:revInfo>
+</file>
+
+<file path=ppt/changesInfos/changesInfo1.xml><?xml version="1.0" encoding="utf-8"?>
+<pc:chgInfo xmlns:a="http://schemas.openxmlformats.org/drawingml/2006/main" xmlns:r="http://schemas.openxmlformats.org/officeDocument/2006/relationships" xmlns:ac="http://schemas.microsoft.com/office/drawing/2013/main/command" xmlns:pc="http://schemas.microsoft.com/office/powerpoint/2013/main/command">
+  <pc:docChgLst>
+    <pc:chgData name="Vitaly Druker" userId="2c9e1fe4-d3d1-4b04-a99a-cb29bc2e442f" providerId="ADAL" clId="{2BDF5F94-25E3-9D4C-BAA4-857D03F65844}"/>
+    <pc:docChg chg="undo custSel addSld modSld modSection">
+      <pc:chgData name="Vitaly Druker" userId="2c9e1fe4-d3d1-4b04-a99a-cb29bc2e442f" providerId="ADAL" clId="{2BDF5F94-25E3-9D4C-BAA4-857D03F65844}" dt="2021-11-13T17:55:15.557" v="1546" actId="20577"/>
+      <pc:docMkLst>
+        <pc:docMk/>
+      </pc:docMkLst>
+      <pc:sldChg chg="modSp mod">
+        <pc:chgData name="Vitaly Druker" userId="2c9e1fe4-d3d1-4b04-a99a-cb29bc2e442f" providerId="ADAL" clId="{2BDF5F94-25E3-9D4C-BAA4-857D03F65844}" dt="2021-11-13T17:29:41.191" v="85" actId="20577"/>
+        <pc:sldMkLst>
+          <pc:docMk/>
+          <pc:sldMk cId="811208899" sldId="341"/>
+        </pc:sldMkLst>
+        <pc:spChg chg="mod">
+          <ac:chgData name="Vitaly Druker" userId="2c9e1fe4-d3d1-4b04-a99a-cb29bc2e442f" providerId="ADAL" clId="{2BDF5F94-25E3-9D4C-BAA4-857D03F65844}" dt="2021-11-13T17:29:41.191" v="85" actId="20577"/>
+          <ac:spMkLst>
+            <pc:docMk/>
+            <pc:sldMk cId="811208899" sldId="341"/>
+            <ac:spMk id="3" creationId="{4F8C4C7E-F235-454A-98A4-A020CC06914E}"/>
+          </ac:spMkLst>
+        </pc:spChg>
+      </pc:sldChg>
+      <pc:sldChg chg="modSp new mod">
+        <pc:chgData name="Vitaly Druker" userId="2c9e1fe4-d3d1-4b04-a99a-cb29bc2e442f" providerId="ADAL" clId="{2BDF5F94-25E3-9D4C-BAA4-857D03F65844}" dt="2021-11-13T17:31:13.046" v="256" actId="20577"/>
+        <pc:sldMkLst>
+          <pc:docMk/>
+          <pc:sldMk cId="2488780473" sldId="343"/>
+        </pc:sldMkLst>
+        <pc:spChg chg="mod">
+          <ac:chgData name="Vitaly Druker" userId="2c9e1fe4-d3d1-4b04-a99a-cb29bc2e442f" providerId="ADAL" clId="{2BDF5F94-25E3-9D4C-BAA4-857D03F65844}" dt="2021-11-13T17:30:30.129" v="184" actId="20577"/>
+          <ac:spMkLst>
+            <pc:docMk/>
+            <pc:sldMk cId="2488780473" sldId="343"/>
+            <ac:spMk id="2" creationId="{C78FDD4B-E2D0-2D46-BA71-38551A426D3F}"/>
+          </ac:spMkLst>
+        </pc:spChg>
+        <pc:spChg chg="mod">
+          <ac:chgData name="Vitaly Druker" userId="2c9e1fe4-d3d1-4b04-a99a-cb29bc2e442f" providerId="ADAL" clId="{2BDF5F94-25E3-9D4C-BAA4-857D03F65844}" dt="2021-11-13T17:31:13.046" v="256" actId="20577"/>
+          <ac:spMkLst>
+            <pc:docMk/>
+            <pc:sldMk cId="2488780473" sldId="343"/>
+            <ac:spMk id="3" creationId="{A81B3A96-337A-5D4F-B8C7-F35F11B279E3}"/>
+          </ac:spMkLst>
+        </pc:spChg>
+      </pc:sldChg>
+      <pc:sldChg chg="modSp new mod">
+        <pc:chgData name="Vitaly Druker" userId="2c9e1fe4-d3d1-4b04-a99a-cb29bc2e442f" providerId="ADAL" clId="{2BDF5F94-25E3-9D4C-BAA4-857D03F65844}" dt="2021-11-13T17:35:35.580" v="901" actId="20577"/>
+        <pc:sldMkLst>
+          <pc:docMk/>
+          <pc:sldMk cId="2717857072" sldId="344"/>
+        </pc:sldMkLst>
+        <pc:spChg chg="mod">
+          <ac:chgData name="Vitaly Druker" userId="2c9e1fe4-d3d1-4b04-a99a-cb29bc2e442f" providerId="ADAL" clId="{2BDF5F94-25E3-9D4C-BAA4-857D03F65844}" dt="2021-11-13T17:31:25.973" v="272" actId="20577"/>
+          <ac:spMkLst>
+            <pc:docMk/>
+            <pc:sldMk cId="2717857072" sldId="344"/>
+            <ac:spMk id="2" creationId="{B1B57341-062F-E24C-85E5-68FB561E8324}"/>
+          </ac:spMkLst>
+        </pc:spChg>
+        <pc:spChg chg="mod">
+          <ac:chgData name="Vitaly Druker" userId="2c9e1fe4-d3d1-4b04-a99a-cb29bc2e442f" providerId="ADAL" clId="{2BDF5F94-25E3-9D4C-BAA4-857D03F65844}" dt="2021-11-13T17:35:35.580" v="901" actId="20577"/>
+          <ac:spMkLst>
+            <pc:docMk/>
+            <pc:sldMk cId="2717857072" sldId="344"/>
+            <ac:spMk id="3" creationId="{397D4B43-C0A9-664A-ABC3-D6D9BDC27035}"/>
+          </ac:spMkLst>
+        </pc:spChg>
+      </pc:sldChg>
+      <pc:sldChg chg="addSp modSp new mod">
+        <pc:chgData name="Vitaly Druker" userId="2c9e1fe4-d3d1-4b04-a99a-cb29bc2e442f" providerId="ADAL" clId="{2BDF5F94-25E3-9D4C-BAA4-857D03F65844}" dt="2021-11-13T17:43:21.426" v="911" actId="1076"/>
+        <pc:sldMkLst>
+          <pc:docMk/>
+          <pc:sldMk cId="4002160806" sldId="345"/>
+        </pc:sldMkLst>
+        <pc:spChg chg="mod">
+          <ac:chgData name="Vitaly Druker" userId="2c9e1fe4-d3d1-4b04-a99a-cb29bc2e442f" providerId="ADAL" clId="{2BDF5F94-25E3-9D4C-BAA4-857D03F65844}" dt="2021-11-13T17:42:56.258" v="909" actId="20577"/>
+          <ac:spMkLst>
+            <pc:docMk/>
+            <pc:sldMk cId="4002160806" sldId="345"/>
+            <ac:spMk id="2" creationId="{ABC4E520-0465-5E44-853A-835CC8EA2D59}"/>
+          </ac:spMkLst>
+        </pc:spChg>
+        <pc:picChg chg="add mod">
+          <ac:chgData name="Vitaly Druker" userId="2c9e1fe4-d3d1-4b04-a99a-cb29bc2e442f" providerId="ADAL" clId="{2BDF5F94-25E3-9D4C-BAA4-857D03F65844}" dt="2021-11-13T17:43:21.426" v="911" actId="1076"/>
+          <ac:picMkLst>
+            <pc:docMk/>
+            <pc:sldMk cId="4002160806" sldId="345"/>
+            <ac:picMk id="4" creationId="{A6E60D71-E0F1-5F44-81AD-B94885266C1E}"/>
+          </ac:picMkLst>
+        </pc:picChg>
+      </pc:sldChg>
+      <pc:sldChg chg="addSp delSp modSp new mod">
+        <pc:chgData name="Vitaly Druker" userId="2c9e1fe4-d3d1-4b04-a99a-cb29bc2e442f" providerId="ADAL" clId="{2BDF5F94-25E3-9D4C-BAA4-857D03F65844}" dt="2021-11-13T17:43:56.281" v="935" actId="20577"/>
+        <pc:sldMkLst>
+          <pc:docMk/>
+          <pc:sldMk cId="2562218366" sldId="346"/>
+        </pc:sldMkLst>
+        <pc:spChg chg="mod">
+          <ac:chgData name="Vitaly Druker" userId="2c9e1fe4-d3d1-4b04-a99a-cb29bc2e442f" providerId="ADAL" clId="{2BDF5F94-25E3-9D4C-BAA4-857D03F65844}" dt="2021-11-13T17:43:56.281" v="935" actId="20577"/>
+          <ac:spMkLst>
+            <pc:docMk/>
+            <pc:sldMk cId="2562218366" sldId="346"/>
+            <ac:spMk id="2" creationId="{28240F97-C4B6-534D-AF8D-7893AF027813}"/>
+          </ac:spMkLst>
+        </pc:spChg>
+        <pc:spChg chg="del">
+          <ac:chgData name="Vitaly Druker" userId="2c9e1fe4-d3d1-4b04-a99a-cb29bc2e442f" providerId="ADAL" clId="{2BDF5F94-25E3-9D4C-BAA4-857D03F65844}" dt="2021-11-13T17:43:34.409" v="913"/>
+          <ac:spMkLst>
+            <pc:docMk/>
+            <pc:sldMk cId="2562218366" sldId="346"/>
+            <ac:spMk id="3" creationId="{ED70E94B-4979-D440-AB9F-8367A8BB5125}"/>
+          </ac:spMkLst>
+        </pc:spChg>
+        <pc:picChg chg="add mod">
+          <ac:chgData name="Vitaly Druker" userId="2c9e1fe4-d3d1-4b04-a99a-cb29bc2e442f" providerId="ADAL" clId="{2BDF5F94-25E3-9D4C-BAA4-857D03F65844}" dt="2021-11-13T17:43:34.409" v="913"/>
+          <ac:picMkLst>
+            <pc:docMk/>
+            <pc:sldMk cId="2562218366" sldId="346"/>
+            <ac:picMk id="4" creationId="{15C5830C-66A7-7D43-AA59-CA38B2219643}"/>
+          </ac:picMkLst>
+        </pc:picChg>
+      </pc:sldChg>
+      <pc:sldChg chg="addSp modSp new mod">
+        <pc:chgData name="Vitaly Druker" userId="2c9e1fe4-d3d1-4b04-a99a-cb29bc2e442f" providerId="ADAL" clId="{2BDF5F94-25E3-9D4C-BAA4-857D03F65844}" dt="2021-11-13T17:47:40.344" v="1332" actId="1076"/>
+        <pc:sldMkLst>
+          <pc:docMk/>
+          <pc:sldMk cId="1288377899" sldId="347"/>
+        </pc:sldMkLst>
+        <pc:spChg chg="mod">
+          <ac:chgData name="Vitaly Druker" userId="2c9e1fe4-d3d1-4b04-a99a-cb29bc2e442f" providerId="ADAL" clId="{2BDF5F94-25E3-9D4C-BAA4-857D03F65844}" dt="2021-11-13T17:44:10.868" v="960" actId="20577"/>
+          <ac:spMkLst>
+            <pc:docMk/>
+            <pc:sldMk cId="1288377899" sldId="347"/>
+            <ac:spMk id="2" creationId="{35D204E8-8301-3848-8F7E-A9928C0C158A}"/>
+          </ac:spMkLst>
+        </pc:spChg>
+        <pc:spChg chg="mod">
+          <ac:chgData name="Vitaly Druker" userId="2c9e1fe4-d3d1-4b04-a99a-cb29bc2e442f" providerId="ADAL" clId="{2BDF5F94-25E3-9D4C-BAA4-857D03F65844}" dt="2021-11-13T17:46:26.602" v="1329" actId="20577"/>
+          <ac:spMkLst>
+            <pc:docMk/>
+            <pc:sldMk cId="1288377899" sldId="347"/>
+            <ac:spMk id="3" creationId="{55E36D2D-C323-614C-A3FC-75BA33B20D6A}"/>
+          </ac:spMkLst>
+        </pc:spChg>
+        <pc:picChg chg="add mod">
+          <ac:chgData name="Vitaly Druker" userId="2c9e1fe4-d3d1-4b04-a99a-cb29bc2e442f" providerId="ADAL" clId="{2BDF5F94-25E3-9D4C-BAA4-857D03F65844}" dt="2021-11-13T17:47:40.344" v="1332" actId="1076"/>
+          <ac:picMkLst>
+            <pc:docMk/>
+            <pc:sldMk cId="1288377899" sldId="347"/>
+            <ac:picMk id="4" creationId="{7EDDF789-A451-3543-8739-C92613483424}"/>
+          </ac:picMkLst>
+        </pc:picChg>
+      </pc:sldChg>
+      <pc:sldChg chg="addSp delSp modSp new mod">
+        <pc:chgData name="Vitaly Druker" userId="2c9e1fe4-d3d1-4b04-a99a-cb29bc2e442f" providerId="ADAL" clId="{2BDF5F94-25E3-9D4C-BAA4-857D03F65844}" dt="2021-11-13T17:55:15.557" v="1546" actId="20577"/>
+        <pc:sldMkLst>
+          <pc:docMk/>
+          <pc:sldMk cId="1386473239" sldId="348"/>
+        </pc:sldMkLst>
+        <pc:spChg chg="mod">
+          <ac:chgData name="Vitaly Druker" userId="2c9e1fe4-d3d1-4b04-a99a-cb29bc2e442f" providerId="ADAL" clId="{2BDF5F94-25E3-9D4C-BAA4-857D03F65844}" dt="2021-11-13T17:55:15.557" v="1546" actId="20577"/>
+          <ac:spMkLst>
+            <pc:docMk/>
+            <pc:sldMk cId="1386473239" sldId="348"/>
+            <ac:spMk id="2" creationId="{48B21192-178C-F048-BD15-45187185D070}"/>
+          </ac:spMkLst>
+        </pc:spChg>
+        <pc:spChg chg="del">
+          <ac:chgData name="Vitaly Druker" userId="2c9e1fe4-d3d1-4b04-a99a-cb29bc2e442f" providerId="ADAL" clId="{2BDF5F94-25E3-9D4C-BAA4-857D03F65844}" dt="2021-11-13T17:51:02.975" v="1377" actId="478"/>
+          <ac:spMkLst>
+            <pc:docMk/>
+            <pc:sldMk cId="1386473239" sldId="348"/>
+            <ac:spMk id="3" creationId="{597DF99E-69ED-DA4B-86AF-32498F86B9F4}"/>
+          </ac:spMkLst>
+        </pc:spChg>
+        <pc:spChg chg="add mod">
+          <ac:chgData name="Vitaly Druker" userId="2c9e1fe4-d3d1-4b04-a99a-cb29bc2e442f" providerId="ADAL" clId="{2BDF5F94-25E3-9D4C-BAA4-857D03F65844}" dt="2021-11-13T17:52:26.149" v="1426" actId="1076"/>
+          <ac:spMkLst>
+            <pc:docMk/>
+            <pc:sldMk cId="1386473239" sldId="348"/>
+            <ac:spMk id="9" creationId="{68DC0BEA-4040-6F47-90DD-5C2C4C5897F2}"/>
+          </ac:spMkLst>
+        </pc:spChg>
+        <pc:spChg chg="add mod">
+          <ac:chgData name="Vitaly Druker" userId="2c9e1fe4-d3d1-4b04-a99a-cb29bc2e442f" providerId="ADAL" clId="{2BDF5F94-25E3-9D4C-BAA4-857D03F65844}" dt="2021-11-13T17:52:40.430" v="1455" actId="20577"/>
+          <ac:spMkLst>
+            <pc:docMk/>
+            <pc:sldMk cId="1386473239" sldId="348"/>
+            <ac:spMk id="10" creationId="{147D6A5E-0925-D349-BFD4-E1E385A37C62}"/>
+          </ac:spMkLst>
+        </pc:spChg>
+        <pc:spChg chg="add mod">
+          <ac:chgData name="Vitaly Druker" userId="2c9e1fe4-d3d1-4b04-a99a-cb29bc2e442f" providerId="ADAL" clId="{2BDF5F94-25E3-9D4C-BAA4-857D03F65844}" dt="2021-11-13T17:53:02.234" v="1492" actId="20577"/>
+          <ac:spMkLst>
+            <pc:docMk/>
+            <pc:sldMk cId="1386473239" sldId="348"/>
+            <ac:spMk id="11" creationId="{226D28BC-CC46-B84F-9145-0F3DEDFF4A7D}"/>
+          </ac:spMkLst>
+        </pc:spChg>
+        <pc:spChg chg="add mod">
+          <ac:chgData name="Vitaly Druker" userId="2c9e1fe4-d3d1-4b04-a99a-cb29bc2e442f" providerId="ADAL" clId="{2BDF5F94-25E3-9D4C-BAA4-857D03F65844}" dt="2021-11-13T17:53:50.762" v="1542" actId="20577"/>
+          <ac:spMkLst>
+            <pc:docMk/>
+            <pc:sldMk cId="1386473239" sldId="348"/>
+            <ac:spMk id="12" creationId="{9A21D01E-A2B1-364D-9A92-E88AAC98CFAC}"/>
+          </ac:spMkLst>
+        </pc:spChg>
+        <pc:picChg chg="add del mod">
+          <ac:chgData name="Vitaly Druker" userId="2c9e1fe4-d3d1-4b04-a99a-cb29bc2e442f" providerId="ADAL" clId="{2BDF5F94-25E3-9D4C-BAA4-857D03F65844}" dt="2021-11-13T17:50:29.839" v="1371" actId="478"/>
+          <ac:picMkLst>
+            <pc:docMk/>
+            <pc:sldMk cId="1386473239" sldId="348"/>
+            <ac:picMk id="4" creationId="{C050DB4F-2189-2B47-961D-7953C2950BD4}"/>
+          </ac:picMkLst>
+        </pc:picChg>
+        <pc:picChg chg="add mod">
+          <ac:chgData name="Vitaly Druker" userId="2c9e1fe4-d3d1-4b04-a99a-cb29bc2e442f" providerId="ADAL" clId="{2BDF5F94-25E3-9D4C-BAA4-857D03F65844}" dt="2021-11-13T17:51:28.035" v="1384" actId="1076"/>
+          <ac:picMkLst>
+            <pc:docMk/>
+            <pc:sldMk cId="1386473239" sldId="348"/>
+            <ac:picMk id="5" creationId="{AA8A8AC2-D0F0-484D-883F-EF13F5B86D60}"/>
+          </ac:picMkLst>
+        </pc:picChg>
+        <pc:picChg chg="add mod">
+          <ac:chgData name="Vitaly Druker" userId="2c9e1fe4-d3d1-4b04-a99a-cb29bc2e442f" providerId="ADAL" clId="{2BDF5F94-25E3-9D4C-BAA4-857D03F65844}" dt="2021-11-13T17:51:49.071" v="1391" actId="1076"/>
+          <ac:picMkLst>
+            <pc:docMk/>
+            <pc:sldMk cId="1386473239" sldId="348"/>
+            <ac:picMk id="6" creationId="{306D44C1-B292-E44D-8ACD-C594C3B8F8A8}"/>
+          </ac:picMkLst>
+        </pc:picChg>
+        <pc:picChg chg="add mod">
+          <ac:chgData name="Vitaly Druker" userId="2c9e1fe4-d3d1-4b04-a99a-cb29bc2e442f" providerId="ADAL" clId="{2BDF5F94-25E3-9D4C-BAA4-857D03F65844}" dt="2021-11-13T17:51:29.122" v="1385" actId="1076"/>
+          <ac:picMkLst>
+            <pc:docMk/>
+            <pc:sldMk cId="1386473239" sldId="348"/>
+            <ac:picMk id="7" creationId="{829D6359-C289-A84E-A065-B0268480196D}"/>
+          </ac:picMkLst>
+        </pc:picChg>
+        <pc:picChg chg="add mod">
+          <ac:chgData name="Vitaly Druker" userId="2c9e1fe4-d3d1-4b04-a99a-cb29bc2e442f" providerId="ADAL" clId="{2BDF5F94-25E3-9D4C-BAA4-857D03F65844}" dt="2021-11-13T17:51:51.262" v="1392" actId="1076"/>
+          <ac:picMkLst>
+            <pc:docMk/>
+            <pc:sldMk cId="1386473239" sldId="348"/>
+            <ac:picMk id="8" creationId="{3CD96FE7-EA99-7346-BCAC-0A0311E641C8}"/>
+          </ac:picMkLst>
+        </pc:picChg>
+      </pc:sldChg>
+    </pc:docChg>
+  </pc:docChgLst>
+</pc:chgInfo>
 </file>
 
 <file path=ppt/ink/ink1.xml><?xml version="1.0" encoding="utf-8"?>
@@ -746,7 +1013,7 @@
           <a:p>
             <a:fld id="{DCB46477-8831-DF47-BC3A-B65F1FA8D045}" type="datetimeFigureOut">
               <a:rPr lang="en-US" smtClean="0"/>
-              <a:t>11/10/21</a:t>
+              <a:t>11/13/21</a:t>
             </a:fld>
             <a:endParaRPr lang="en-US"/>
           </a:p>
@@ -1160,7 +1427,7 @@
           <a:p>
             <a:fld id="{037F6D3A-DF67-F84B-9597-C40502329EC7}" type="datetimeFigureOut">
               <a:rPr lang="en-US" smtClean="0"/>
-              <a:t>11/10/21</a:t>
+              <a:t>11/13/21</a:t>
             </a:fld>
             <a:endParaRPr lang="en-US"/>
           </a:p>
@@ -1358,7 +1625,7 @@
           <a:p>
             <a:fld id="{037F6D3A-DF67-F84B-9597-C40502329EC7}" type="datetimeFigureOut">
               <a:rPr lang="en-US" smtClean="0"/>
-              <a:t>11/10/21</a:t>
+              <a:t>11/13/21</a:t>
             </a:fld>
             <a:endParaRPr lang="en-US"/>
           </a:p>
@@ -1566,7 +1833,7 @@
           <a:p>
             <a:fld id="{037F6D3A-DF67-F84B-9597-C40502329EC7}" type="datetimeFigureOut">
               <a:rPr lang="en-US" smtClean="0"/>
-              <a:t>11/10/21</a:t>
+              <a:t>11/13/21</a:t>
             </a:fld>
             <a:endParaRPr lang="en-US"/>
           </a:p>
@@ -1764,7 +2031,7 @@
           <a:p>
             <a:fld id="{037F6D3A-DF67-F84B-9597-C40502329EC7}" type="datetimeFigureOut">
               <a:rPr lang="en-US" smtClean="0"/>
-              <a:t>11/10/21</a:t>
+              <a:t>11/13/21</a:t>
             </a:fld>
             <a:endParaRPr lang="en-US"/>
           </a:p>
@@ -2039,7 +2306,7 @@
           <a:p>
             <a:fld id="{037F6D3A-DF67-F84B-9597-C40502329EC7}" type="datetimeFigureOut">
               <a:rPr lang="en-US" smtClean="0"/>
-              <a:t>11/10/21</a:t>
+              <a:t>11/13/21</a:t>
             </a:fld>
             <a:endParaRPr lang="en-US"/>
           </a:p>
@@ -2304,7 +2571,7 @@
           <a:p>
             <a:fld id="{037F6D3A-DF67-F84B-9597-C40502329EC7}" type="datetimeFigureOut">
               <a:rPr lang="en-US" smtClean="0"/>
-              <a:t>11/10/21</a:t>
+              <a:t>11/13/21</a:t>
             </a:fld>
             <a:endParaRPr lang="en-US"/>
           </a:p>
@@ -2716,7 +2983,7 @@
           <a:p>
             <a:fld id="{037F6D3A-DF67-F84B-9597-C40502329EC7}" type="datetimeFigureOut">
               <a:rPr lang="en-US" smtClean="0"/>
-              <a:t>11/10/21</a:t>
+              <a:t>11/13/21</a:t>
             </a:fld>
             <a:endParaRPr lang="en-US"/>
           </a:p>
@@ -2857,7 +3124,7 @@
           <a:p>
             <a:fld id="{037F6D3A-DF67-F84B-9597-C40502329EC7}" type="datetimeFigureOut">
               <a:rPr lang="en-US" smtClean="0"/>
-              <a:t>11/10/21</a:t>
+              <a:t>11/13/21</a:t>
             </a:fld>
             <a:endParaRPr lang="en-US"/>
           </a:p>
@@ -2970,7 +3237,7 @@
           <a:p>
             <a:fld id="{037F6D3A-DF67-F84B-9597-C40502329EC7}" type="datetimeFigureOut">
               <a:rPr lang="en-US" smtClean="0"/>
-              <a:t>11/10/21</a:t>
+              <a:t>11/13/21</a:t>
             </a:fld>
             <a:endParaRPr lang="en-US"/>
           </a:p>
@@ -3281,7 +3548,7 @@
           <a:p>
             <a:fld id="{037F6D3A-DF67-F84B-9597-C40502329EC7}" type="datetimeFigureOut">
               <a:rPr lang="en-US" smtClean="0"/>
-              <a:t>11/10/21</a:t>
+              <a:t>11/13/21</a:t>
             </a:fld>
             <a:endParaRPr lang="en-US"/>
           </a:p>
@@ -3569,7 +3836,7 @@
           <a:p>
             <a:fld id="{037F6D3A-DF67-F84B-9597-C40502329EC7}" type="datetimeFigureOut">
               <a:rPr lang="en-US" smtClean="0"/>
-              <a:t>11/10/21</a:t>
+              <a:t>11/13/21</a:t>
             </a:fld>
             <a:endParaRPr lang="en-US"/>
           </a:p>
@@ -3810,7 +4077,7 @@
           <a:p>
             <a:fld id="{037F6D3A-DF67-F84B-9597-C40502329EC7}" type="datetimeFigureOut">
               <a:rPr lang="en-US" smtClean="0"/>
-              <a:t>11/10/21</a:t>
+              <a:t>11/13/21</a:t>
             </a:fld>
             <a:endParaRPr lang="en-US"/>
           </a:p>
@@ -6090,8 +6357,8 @@
           </a:p>
         </p:txBody>
       </p:sp>
-      <mc:AlternateContent xmlns:mc="http://schemas.openxmlformats.org/markup-compatibility/2006">
-        <mc:Choice xmlns:a14="http://schemas.microsoft.com/office/drawing/2010/main" Requires="a14">
+      <mc:AlternateContent xmlns:mc="http://schemas.openxmlformats.org/markup-compatibility/2006" xmlns:a14="http://schemas.microsoft.com/office/drawing/2010/main">
+        <mc:Choice Requires="a14">
           <p:sp>
             <p:nvSpPr>
               <p:cNvPr id="3" name="Content Placeholder 2">
@@ -6219,7 +6486,7 @@
             </p:txBody>
           </p:sp>
         </mc:Choice>
-        <mc:Fallback>
+        <mc:Fallback xmlns="">
           <p:sp>
             <p:nvSpPr>
               <p:cNvPr id="3" name="Content Placeholder 2">
@@ -6489,8 +6756,8 @@
           </a:p>
         </p:txBody>
       </p:sp>
-      <mc:AlternateContent xmlns:mc="http://schemas.openxmlformats.org/markup-compatibility/2006">
-        <mc:Choice xmlns:p14="http://schemas.microsoft.com/office/powerpoint/2010/main" Requires="p14">
+      <mc:AlternateContent xmlns:mc="http://schemas.openxmlformats.org/markup-compatibility/2006" xmlns:p14="http://schemas.microsoft.com/office/powerpoint/2010/main">
+        <mc:Choice Requires="p14">
           <p:contentPart p14:bwMode="auto" r:id="rId4">
             <p14:nvContentPartPr>
               <p14:cNvPr id="8" name="Ink 7">
@@ -6509,7 +6776,7 @@
             </p14:xfrm>
           </p:contentPart>
         </mc:Choice>
-        <mc:Fallback>
+        <mc:Fallback xmlns="">
           <p:pic>
             <p:nvPicPr>
               <p:cNvPr id="8" name="Ink 7">
@@ -6540,8 +6807,8 @@
           </p:pic>
         </mc:Fallback>
       </mc:AlternateContent>
-      <mc:AlternateContent xmlns:mc="http://schemas.openxmlformats.org/markup-compatibility/2006">
-        <mc:Choice xmlns:p14="http://schemas.microsoft.com/office/powerpoint/2010/main" Requires="p14">
+      <mc:AlternateContent xmlns:mc="http://schemas.openxmlformats.org/markup-compatibility/2006" xmlns:p14="http://schemas.microsoft.com/office/powerpoint/2010/main">
+        <mc:Choice Requires="p14">
           <p:contentPart p14:bwMode="auto" r:id="rId6">
             <p14:nvContentPartPr>
               <p14:cNvPr id="9" name="Ink 8">
@@ -6560,7 +6827,7 @@
             </p14:xfrm>
           </p:contentPart>
         </mc:Choice>
-        <mc:Fallback>
+        <mc:Fallback xmlns="">
           <p:pic>
             <p:nvPicPr>
               <p:cNvPr id="9" name="Ink 8">
@@ -6591,8 +6858,8 @@
           </p:pic>
         </mc:Fallback>
       </mc:AlternateContent>
-      <mc:AlternateContent xmlns:mc="http://schemas.openxmlformats.org/markup-compatibility/2006">
-        <mc:Choice xmlns:p14="http://schemas.microsoft.com/office/powerpoint/2010/main" Requires="p14">
+      <mc:AlternateContent xmlns:mc="http://schemas.openxmlformats.org/markup-compatibility/2006" xmlns:p14="http://schemas.microsoft.com/office/powerpoint/2010/main">
+        <mc:Choice Requires="p14">
           <p:contentPart p14:bwMode="auto" r:id="rId8">
             <p14:nvContentPartPr>
               <p14:cNvPr id="10" name="Ink 9">
@@ -6611,7 +6878,7 @@
             </p14:xfrm>
           </p:contentPart>
         </mc:Choice>
-        <mc:Fallback>
+        <mc:Fallback xmlns="">
           <p:pic>
             <p:nvPicPr>
               <p:cNvPr id="10" name="Ink 9">
@@ -6642,8 +6909,8 @@
           </p:pic>
         </mc:Fallback>
       </mc:AlternateContent>
-      <mc:AlternateContent xmlns:mc="http://schemas.openxmlformats.org/markup-compatibility/2006">
-        <mc:Choice xmlns:p14="http://schemas.microsoft.com/office/powerpoint/2010/main" Requires="p14">
+      <mc:AlternateContent xmlns:mc="http://schemas.openxmlformats.org/markup-compatibility/2006" xmlns:p14="http://schemas.microsoft.com/office/powerpoint/2010/main">
+        <mc:Choice Requires="p14">
           <p:contentPart p14:bwMode="auto" r:id="rId10">
             <p14:nvContentPartPr>
               <p14:cNvPr id="11" name="Ink 10">
@@ -6662,7 +6929,7 @@
             </p14:xfrm>
           </p:contentPart>
         </mc:Choice>
-        <mc:Fallback>
+        <mc:Fallback xmlns="">
           <p:pic>
             <p:nvPicPr>
               <p:cNvPr id="11" name="Ink 10">
@@ -6693,8 +6960,8 @@
           </p:pic>
         </mc:Fallback>
       </mc:AlternateContent>
-      <mc:AlternateContent xmlns:mc="http://schemas.openxmlformats.org/markup-compatibility/2006">
-        <mc:Choice xmlns:p14="http://schemas.microsoft.com/office/powerpoint/2010/main" Requires="p14">
+      <mc:AlternateContent xmlns:mc="http://schemas.openxmlformats.org/markup-compatibility/2006" xmlns:p14="http://schemas.microsoft.com/office/powerpoint/2010/main">
+        <mc:Choice Requires="p14">
           <p:contentPart p14:bwMode="auto" r:id="rId12">
             <p14:nvContentPartPr>
               <p14:cNvPr id="12" name="Ink 11">
@@ -6713,7 +6980,7 @@
             </p14:xfrm>
           </p:contentPart>
         </mc:Choice>
-        <mc:Fallback>
+        <mc:Fallback xmlns="">
           <p:pic>
             <p:nvPicPr>
               <p:cNvPr id="12" name="Ink 11">
@@ -6744,8 +7011,8 @@
           </p:pic>
         </mc:Fallback>
       </mc:AlternateContent>
-      <mc:AlternateContent xmlns:mc="http://schemas.openxmlformats.org/markup-compatibility/2006">
-        <mc:Choice xmlns:p14="http://schemas.microsoft.com/office/powerpoint/2010/main" Requires="p14">
+      <mc:AlternateContent xmlns:mc="http://schemas.openxmlformats.org/markup-compatibility/2006" xmlns:p14="http://schemas.microsoft.com/office/powerpoint/2010/main">
+        <mc:Choice Requires="p14">
           <p:contentPart p14:bwMode="auto" r:id="rId14">
             <p14:nvContentPartPr>
               <p14:cNvPr id="13" name="Ink 12">
@@ -6764,7 +7031,7 @@
             </p14:xfrm>
           </p:contentPart>
         </mc:Choice>
-        <mc:Fallback>
+        <mc:Fallback xmlns="">
           <p:pic>
             <p:nvPicPr>
               <p:cNvPr id="13" name="Ink 12">
@@ -6795,8 +7062,8 @@
           </p:pic>
         </mc:Fallback>
       </mc:AlternateContent>
-      <mc:AlternateContent xmlns:mc="http://schemas.openxmlformats.org/markup-compatibility/2006">
-        <mc:Choice xmlns:p14="http://schemas.microsoft.com/office/powerpoint/2010/main" Requires="p14">
+      <mc:AlternateContent xmlns:mc="http://schemas.openxmlformats.org/markup-compatibility/2006" xmlns:p14="http://schemas.microsoft.com/office/powerpoint/2010/main">
+        <mc:Choice Requires="p14">
           <p:contentPart p14:bwMode="auto" r:id="rId16">
             <p14:nvContentPartPr>
               <p14:cNvPr id="14" name="Ink 13">
@@ -6815,7 +7082,7 @@
             </p14:xfrm>
           </p:contentPart>
         </mc:Choice>
-        <mc:Fallback>
+        <mc:Fallback xmlns="">
           <p:pic>
             <p:nvPicPr>
               <p:cNvPr id="14" name="Ink 13">
@@ -6846,8 +7113,8 @@
           </p:pic>
         </mc:Fallback>
       </mc:AlternateContent>
-      <mc:AlternateContent xmlns:mc="http://schemas.openxmlformats.org/markup-compatibility/2006">
-        <mc:Choice xmlns:p14="http://schemas.microsoft.com/office/powerpoint/2010/main" Requires="p14">
+      <mc:AlternateContent xmlns:mc="http://schemas.openxmlformats.org/markup-compatibility/2006" xmlns:p14="http://schemas.microsoft.com/office/powerpoint/2010/main">
+        <mc:Choice Requires="p14">
           <p:contentPart p14:bwMode="auto" r:id="rId18">
             <p14:nvContentPartPr>
               <p14:cNvPr id="15" name="Ink 14">
@@ -6866,7 +7133,7 @@
             </p14:xfrm>
           </p:contentPart>
         </mc:Choice>
-        <mc:Fallback>
+        <mc:Fallback xmlns="">
           <p:pic>
             <p:nvPicPr>
               <p:cNvPr id="15" name="Ink 14">
@@ -6897,8 +7164,8 @@
           </p:pic>
         </mc:Fallback>
       </mc:AlternateContent>
-      <mc:AlternateContent xmlns:mc="http://schemas.openxmlformats.org/markup-compatibility/2006">
-        <mc:Choice xmlns:p14="http://schemas.microsoft.com/office/powerpoint/2010/main" Requires="p14">
+      <mc:AlternateContent xmlns:mc="http://schemas.openxmlformats.org/markup-compatibility/2006" xmlns:p14="http://schemas.microsoft.com/office/powerpoint/2010/main">
+        <mc:Choice Requires="p14">
           <p:contentPart p14:bwMode="auto" r:id="rId20">
             <p14:nvContentPartPr>
               <p14:cNvPr id="16" name="Ink 15">
@@ -6917,7 +7184,7 @@
             </p14:xfrm>
           </p:contentPart>
         </mc:Choice>
-        <mc:Fallback>
+        <mc:Fallback xmlns="">
           <p:pic>
             <p:nvPicPr>
               <p:cNvPr id="16" name="Ink 15">
@@ -6948,8 +7215,8 @@
           </p:pic>
         </mc:Fallback>
       </mc:AlternateContent>
-      <mc:AlternateContent xmlns:mc="http://schemas.openxmlformats.org/markup-compatibility/2006">
-        <mc:Choice xmlns:p14="http://schemas.microsoft.com/office/powerpoint/2010/main" Requires="p14">
+      <mc:AlternateContent xmlns:mc="http://schemas.openxmlformats.org/markup-compatibility/2006" xmlns:p14="http://schemas.microsoft.com/office/powerpoint/2010/main">
+        <mc:Choice Requires="p14">
           <p:contentPart p14:bwMode="auto" r:id="rId22">
             <p14:nvContentPartPr>
               <p14:cNvPr id="17" name="Ink 16">
@@ -6968,7 +7235,7 @@
             </p14:xfrm>
           </p:contentPart>
         </mc:Choice>
-        <mc:Fallback>
+        <mc:Fallback xmlns="">
           <p:pic>
             <p:nvPicPr>
               <p:cNvPr id="17" name="Ink 16">
@@ -6999,8 +7266,8 @@
           </p:pic>
         </mc:Fallback>
       </mc:AlternateContent>
-      <mc:AlternateContent xmlns:mc="http://schemas.openxmlformats.org/markup-compatibility/2006">
-        <mc:Choice xmlns:p14="http://schemas.microsoft.com/office/powerpoint/2010/main" Requires="p14">
+      <mc:AlternateContent xmlns:mc="http://schemas.openxmlformats.org/markup-compatibility/2006" xmlns:p14="http://schemas.microsoft.com/office/powerpoint/2010/main">
+        <mc:Choice Requires="p14">
           <p:contentPart p14:bwMode="auto" r:id="rId24">
             <p14:nvContentPartPr>
               <p14:cNvPr id="18" name="Ink 17">
@@ -7019,7 +7286,7 @@
             </p14:xfrm>
           </p:contentPart>
         </mc:Choice>
-        <mc:Fallback>
+        <mc:Fallback xmlns="">
           <p:pic>
             <p:nvPicPr>
               <p:cNvPr id="18" name="Ink 17">
@@ -7050,8 +7317,8 @@
           </p:pic>
         </mc:Fallback>
       </mc:AlternateContent>
-      <mc:AlternateContent xmlns:mc="http://schemas.openxmlformats.org/markup-compatibility/2006">
-        <mc:Choice xmlns:p14="http://schemas.microsoft.com/office/powerpoint/2010/main" Requires="p14">
+      <mc:AlternateContent xmlns:mc="http://schemas.openxmlformats.org/markup-compatibility/2006" xmlns:p14="http://schemas.microsoft.com/office/powerpoint/2010/main">
+        <mc:Choice Requires="p14">
           <p:contentPart p14:bwMode="auto" r:id="rId26">
             <p14:nvContentPartPr>
               <p14:cNvPr id="19" name="Ink 18">
@@ -7070,7 +7337,7 @@
             </p14:xfrm>
           </p:contentPart>
         </mc:Choice>
-        <mc:Fallback>
+        <mc:Fallback xmlns="">
           <p:pic>
             <p:nvPicPr>
               <p:cNvPr id="19" name="Ink 18">
@@ -7655,7 +7922,22 @@
           <a:bodyPr/>
           <a:lstStyle/>
           <a:p>
-            <a:endParaRPr lang="en-US"/>
+            <a:r>
+              <a:rPr lang="en-US" dirty="0"/>
+              <a:t>Partitioning</a:t>
+            </a:r>
+          </a:p>
+          <a:p>
+            <a:r>
+              <a:rPr lang="en-US" dirty="0"/>
+              <a:t>Mixtures of distributions </a:t>
+            </a:r>
+          </a:p>
+          <a:p>
+            <a:r>
+              <a:rPr lang="en-US" dirty="0"/>
+              <a:t>Density estimation</a:t>
+            </a:r>
           </a:p>
         </p:txBody>
       </p:sp>
@@ -7663,6 +7945,231 @@
     <p:extLst>
       <p:ext uri="{BB962C8B-B14F-4D97-AF65-F5344CB8AC3E}">
         <p14:creationId xmlns:p14="http://schemas.microsoft.com/office/powerpoint/2010/main" val="811208899"/>
+      </p:ext>
+    </p:extLst>
+  </p:cSld>
+  <p:clrMapOvr>
+    <a:masterClrMapping/>
+  </p:clrMapOvr>
+</p:sld>
+</file>
+
+<file path=ppt/slides/slide28.xml><?xml version="1.0" encoding="utf-8"?>
+<p:sld xmlns:a="http://schemas.openxmlformats.org/drawingml/2006/main" xmlns:r="http://schemas.openxmlformats.org/officeDocument/2006/relationships" xmlns:p="http://schemas.openxmlformats.org/presentationml/2006/main">
+  <p:cSld>
+    <p:spTree>
+      <p:nvGrpSpPr>
+        <p:cNvPr id="1" name=""/>
+        <p:cNvGrpSpPr/>
+        <p:nvPr/>
+      </p:nvGrpSpPr>
+      <p:grpSpPr>
+        <a:xfrm>
+          <a:off x="0" y="0"/>
+          <a:ext cx="0" cy="0"/>
+          <a:chOff x="0" y="0"/>
+          <a:chExt cx="0" cy="0"/>
+        </a:xfrm>
+      </p:grpSpPr>
+      <p:sp>
+        <p:nvSpPr>
+          <p:cNvPr id="2" name="Title 1">
+            <a:extLst>
+              <a:ext uri="{FF2B5EF4-FFF2-40B4-BE49-F238E27FC236}">
+                <a16:creationId xmlns:a16="http://schemas.microsoft.com/office/drawing/2014/main" id="{C78FDD4B-E2D0-2D46-BA71-38551A426D3F}"/>
+              </a:ext>
+            </a:extLst>
+          </p:cNvPr>
+          <p:cNvSpPr>
+            <a:spLocks noGrp="1"/>
+          </p:cNvSpPr>
+          <p:nvPr>
+            <p:ph type="title"/>
+          </p:nvPr>
+        </p:nvSpPr>
+        <p:spPr/>
+        <p:txBody>
+          <a:bodyPr/>
+          <a:lstStyle/>
+          <a:p>
+            <a:r>
+              <a:rPr lang="en-US" dirty="0"/>
+              <a:t>Partitioning</a:t>
+            </a:r>
+          </a:p>
+        </p:txBody>
+      </p:sp>
+      <p:sp>
+        <p:nvSpPr>
+          <p:cNvPr id="3" name="Content Placeholder 2">
+            <a:extLst>
+              <a:ext uri="{FF2B5EF4-FFF2-40B4-BE49-F238E27FC236}">
+                <a16:creationId xmlns:a16="http://schemas.microsoft.com/office/drawing/2014/main" id="{A81B3A96-337A-5D4F-B8C7-F35F11B279E3}"/>
+              </a:ext>
+            </a:extLst>
+          </p:cNvPr>
+          <p:cNvSpPr>
+            <a:spLocks noGrp="1"/>
+          </p:cNvSpPr>
+          <p:nvPr>
+            <p:ph idx="1"/>
+          </p:nvPr>
+        </p:nvSpPr>
+        <p:spPr/>
+        <p:txBody>
+          <a:bodyPr/>
+          <a:lstStyle/>
+          <a:p>
+            <a:r>
+              <a:rPr lang="en-US" dirty="0"/>
+              <a:t>Observations are separated into g clusters based on distance between all points</a:t>
+            </a:r>
+          </a:p>
+        </p:txBody>
+      </p:sp>
+    </p:spTree>
+    <p:extLst>
+      <p:ext uri="{BB962C8B-B14F-4D97-AF65-F5344CB8AC3E}">
+        <p14:creationId xmlns:p14="http://schemas.microsoft.com/office/powerpoint/2010/main" val="2488780473"/>
+      </p:ext>
+    </p:extLst>
+  </p:cSld>
+  <p:clrMapOvr>
+    <a:masterClrMapping/>
+  </p:clrMapOvr>
+</p:sld>
+</file>
+
+<file path=ppt/slides/slide29.xml><?xml version="1.0" encoding="utf-8"?>
+<p:sld xmlns:a="http://schemas.openxmlformats.org/drawingml/2006/main" xmlns:r="http://schemas.openxmlformats.org/officeDocument/2006/relationships" xmlns:p="http://schemas.openxmlformats.org/presentationml/2006/main">
+  <p:cSld>
+    <p:spTree>
+      <p:nvGrpSpPr>
+        <p:cNvPr id="1" name=""/>
+        <p:cNvGrpSpPr/>
+        <p:nvPr/>
+      </p:nvGrpSpPr>
+      <p:grpSpPr>
+        <a:xfrm>
+          <a:off x="0" y="0"/>
+          <a:ext cx="0" cy="0"/>
+          <a:chOff x="0" y="0"/>
+          <a:chExt cx="0" cy="0"/>
+        </a:xfrm>
+      </p:grpSpPr>
+      <p:sp>
+        <p:nvSpPr>
+          <p:cNvPr id="2" name="Title 1">
+            <a:extLst>
+              <a:ext uri="{FF2B5EF4-FFF2-40B4-BE49-F238E27FC236}">
+                <a16:creationId xmlns:a16="http://schemas.microsoft.com/office/drawing/2014/main" id="{B1B57341-062F-E24C-85E5-68FB561E8324}"/>
+              </a:ext>
+            </a:extLst>
+          </p:cNvPr>
+          <p:cNvSpPr>
+            <a:spLocks noGrp="1"/>
+          </p:cNvSpPr>
+          <p:nvPr>
+            <p:ph type="title"/>
+          </p:nvPr>
+        </p:nvSpPr>
+        <p:spPr/>
+        <p:txBody>
+          <a:bodyPr/>
+          <a:lstStyle/>
+          <a:p>
+            <a:r>
+              <a:rPr lang="en-US" dirty="0"/>
+              <a:t>K-means</a:t>
+            </a:r>
+          </a:p>
+        </p:txBody>
+      </p:sp>
+      <p:sp>
+        <p:nvSpPr>
+          <p:cNvPr id="3" name="Content Placeholder 2">
+            <a:extLst>
+              <a:ext uri="{FF2B5EF4-FFF2-40B4-BE49-F238E27FC236}">
+                <a16:creationId xmlns:a16="http://schemas.microsoft.com/office/drawing/2014/main" id="{397D4B43-C0A9-664A-ABC3-D6D9BDC27035}"/>
+              </a:ext>
+            </a:extLst>
+          </p:cNvPr>
+          <p:cNvSpPr>
+            <a:spLocks noGrp="1"/>
+          </p:cNvSpPr>
+          <p:nvPr>
+            <p:ph idx="1"/>
+          </p:nvPr>
+        </p:nvSpPr>
+        <p:spPr/>
+        <p:txBody>
+          <a:bodyPr>
+            <a:normAutofit lnSpcReduction="10000"/>
+          </a:bodyPr>
+          <a:lstStyle/>
+          <a:p>
+            <a:r>
+              <a:rPr lang="en-US" dirty="0"/>
+              <a:t>(The K is for the number of clusters but the book uses g)</a:t>
+            </a:r>
+          </a:p>
+          <a:p>
+            <a:r>
+              <a:rPr lang="en-US" dirty="0"/>
+              <a:t>Algorithm:</a:t>
+            </a:r>
+          </a:p>
+          <a:p>
+            <a:pPr lvl="1"/>
+            <a:r>
+              <a:rPr lang="en-US" dirty="0"/>
+              <a:t>1. Choose g different places to start – this is generally done by picking g random observations. However, you can also choose ones that are furthest apart or something like that.</a:t>
+            </a:r>
+          </a:p>
+          <a:p>
+            <a:pPr lvl="1"/>
+            <a:r>
+              <a:rPr lang="en-US" dirty="0"/>
+              <a:t>2. Assign points to the closest seed</a:t>
+            </a:r>
+          </a:p>
+          <a:p>
+            <a:pPr lvl="1"/>
+            <a:r>
+              <a:rPr lang="en-US" dirty="0"/>
+              <a:t>3. Recalculate seed as centroid of all observations of that cluster</a:t>
+            </a:r>
+          </a:p>
+          <a:p>
+            <a:pPr lvl="1"/>
+            <a:r>
+              <a:rPr lang="en-US" dirty="0"/>
+              <a:t>4. Repeat 2 and 3 until stabilized</a:t>
+            </a:r>
+          </a:p>
+          <a:p>
+            <a:r>
+              <a:rPr lang="en-US" dirty="0"/>
+              <a:t>It’s good to run this a few times with different starting seeds as there may be some local minima created. When creating the final grouping don’t forget to set the seed in your R script</a:t>
+            </a:r>
+          </a:p>
+          <a:p>
+            <a:pPr lvl="1"/>
+            <a:endParaRPr lang="en-US" dirty="0"/>
+          </a:p>
+          <a:p>
+            <a:pPr lvl="1"/>
+            <a:endParaRPr lang="en-US" dirty="0"/>
+          </a:p>
+          <a:p>
+            <a:endParaRPr lang="en-US" dirty="0"/>
+          </a:p>
+        </p:txBody>
+      </p:sp>
+    </p:spTree>
+    <p:extLst>
+      <p:ext uri="{BB962C8B-B14F-4D97-AF65-F5344CB8AC3E}">
+        <p14:creationId xmlns:p14="http://schemas.microsoft.com/office/powerpoint/2010/main" val="2717857072"/>
       </p:ext>
     </p:extLst>
   </p:cSld>
@@ -7812,6 +8319,664 @@
     <p:extLst>
       <p:ext uri="{BB962C8B-B14F-4D97-AF65-F5344CB8AC3E}">
         <p14:creationId xmlns:p14="http://schemas.microsoft.com/office/powerpoint/2010/main" val="1279469810"/>
+      </p:ext>
+    </p:extLst>
+  </p:cSld>
+  <p:clrMapOvr>
+    <a:masterClrMapping/>
+  </p:clrMapOvr>
+</p:sld>
+</file>
+
+<file path=ppt/slides/slide30.xml><?xml version="1.0" encoding="utf-8"?>
+<p:sld xmlns:a="http://schemas.openxmlformats.org/drawingml/2006/main" xmlns:r="http://schemas.openxmlformats.org/officeDocument/2006/relationships" xmlns:p="http://schemas.openxmlformats.org/presentationml/2006/main">
+  <p:cSld>
+    <p:spTree>
+      <p:nvGrpSpPr>
+        <p:cNvPr id="1" name=""/>
+        <p:cNvGrpSpPr/>
+        <p:nvPr/>
+      </p:nvGrpSpPr>
+      <p:grpSpPr>
+        <a:xfrm>
+          <a:off x="0" y="0"/>
+          <a:ext cx="0" cy="0"/>
+          <a:chOff x="0" y="0"/>
+          <a:chExt cx="0" cy="0"/>
+        </a:xfrm>
+      </p:grpSpPr>
+      <p:sp>
+        <p:nvSpPr>
+          <p:cNvPr id="2" name="Title 1">
+            <a:extLst>
+              <a:ext uri="{FF2B5EF4-FFF2-40B4-BE49-F238E27FC236}">
+                <a16:creationId xmlns:a16="http://schemas.microsoft.com/office/drawing/2014/main" id="{ABC4E520-0465-5E44-853A-835CC8EA2D59}"/>
+              </a:ext>
+            </a:extLst>
+          </p:cNvPr>
+          <p:cNvSpPr>
+            <a:spLocks noGrp="1"/>
+          </p:cNvSpPr>
+          <p:nvPr>
+            <p:ph type="title"/>
+          </p:nvPr>
+        </p:nvSpPr>
+        <p:spPr/>
+        <p:txBody>
+          <a:bodyPr/>
+          <a:lstStyle/>
+          <a:p>
+            <a:r>
+              <a:rPr lang="en-US" dirty="0"/>
+              <a:t>Example</a:t>
+            </a:r>
+          </a:p>
+        </p:txBody>
+      </p:sp>
+      <p:sp>
+        <p:nvSpPr>
+          <p:cNvPr id="3" name="Content Placeholder 2">
+            <a:extLst>
+              <a:ext uri="{FF2B5EF4-FFF2-40B4-BE49-F238E27FC236}">
+                <a16:creationId xmlns:a16="http://schemas.microsoft.com/office/drawing/2014/main" id="{09CA9EFB-265E-2B49-A52D-E66BD538C6D0}"/>
+              </a:ext>
+            </a:extLst>
+          </p:cNvPr>
+          <p:cNvSpPr>
+            <a:spLocks noGrp="1"/>
+          </p:cNvSpPr>
+          <p:nvPr>
+            <p:ph idx="1"/>
+          </p:nvPr>
+        </p:nvSpPr>
+        <p:spPr/>
+        <p:txBody>
+          <a:bodyPr/>
+          <a:lstStyle/>
+          <a:p>
+            <a:endParaRPr lang="en-US" dirty="0"/>
+          </a:p>
+        </p:txBody>
+      </p:sp>
+      <p:pic>
+        <p:nvPicPr>
+          <p:cNvPr id="4" name="Picture 3">
+            <a:extLst>
+              <a:ext uri="{FF2B5EF4-FFF2-40B4-BE49-F238E27FC236}">
+                <a16:creationId xmlns:a16="http://schemas.microsoft.com/office/drawing/2014/main" id="{A6E60D71-E0F1-5F44-81AD-B94885266C1E}"/>
+              </a:ext>
+            </a:extLst>
+          </p:cNvPr>
+          <p:cNvPicPr>
+            <a:picLocks noChangeAspect="1"/>
+          </p:cNvPicPr>
+          <p:nvPr/>
+        </p:nvPicPr>
+        <p:blipFill>
+          <a:blip r:embed="rId2"/>
+          <a:stretch>
+            <a:fillRect/>
+          </a:stretch>
+        </p:blipFill>
+        <p:spPr>
+          <a:xfrm>
+            <a:off x="3664637" y="0"/>
+            <a:ext cx="7024036" cy="6858000"/>
+          </a:xfrm>
+          <a:prstGeom prst="rect">
+            <a:avLst/>
+          </a:prstGeom>
+        </p:spPr>
+      </p:pic>
+    </p:spTree>
+    <p:extLst>
+      <p:ext uri="{BB962C8B-B14F-4D97-AF65-F5344CB8AC3E}">
+        <p14:creationId xmlns:p14="http://schemas.microsoft.com/office/powerpoint/2010/main" val="4002160806"/>
+      </p:ext>
+    </p:extLst>
+  </p:cSld>
+  <p:clrMapOvr>
+    <a:masterClrMapping/>
+  </p:clrMapOvr>
+</p:sld>
+</file>
+
+<file path=ppt/slides/slide31.xml><?xml version="1.0" encoding="utf-8"?>
+<p:sld xmlns:a="http://schemas.openxmlformats.org/drawingml/2006/main" xmlns:r="http://schemas.openxmlformats.org/officeDocument/2006/relationships" xmlns:p="http://schemas.openxmlformats.org/presentationml/2006/main">
+  <p:cSld>
+    <p:spTree>
+      <p:nvGrpSpPr>
+        <p:cNvPr id="1" name=""/>
+        <p:cNvGrpSpPr/>
+        <p:nvPr/>
+      </p:nvGrpSpPr>
+      <p:grpSpPr>
+        <a:xfrm>
+          <a:off x="0" y="0"/>
+          <a:ext cx="0" cy="0"/>
+          <a:chOff x="0" y="0"/>
+          <a:chExt cx="0" cy="0"/>
+        </a:xfrm>
+      </p:grpSpPr>
+      <p:sp>
+        <p:nvSpPr>
+          <p:cNvPr id="2" name="Title 1">
+            <a:extLst>
+              <a:ext uri="{FF2B5EF4-FFF2-40B4-BE49-F238E27FC236}">
+                <a16:creationId xmlns:a16="http://schemas.microsoft.com/office/drawing/2014/main" id="{28240F97-C4B6-534D-AF8D-7893AF027813}"/>
+              </a:ext>
+            </a:extLst>
+          </p:cNvPr>
+          <p:cNvSpPr>
+            <a:spLocks noGrp="1"/>
+          </p:cNvSpPr>
+          <p:nvPr>
+            <p:ph type="title"/>
+          </p:nvPr>
+        </p:nvSpPr>
+        <p:spPr/>
+        <p:txBody>
+          <a:bodyPr/>
+          <a:lstStyle/>
+          <a:p>
+            <a:r>
+              <a:rPr lang="en-US" dirty="0"/>
+              <a:t>Example cont.</a:t>
+            </a:r>
+          </a:p>
+        </p:txBody>
+      </p:sp>
+      <p:pic>
+        <p:nvPicPr>
+          <p:cNvPr id="4" name="Content Placeholder 3">
+            <a:extLst>
+              <a:ext uri="{FF2B5EF4-FFF2-40B4-BE49-F238E27FC236}">
+                <a16:creationId xmlns:a16="http://schemas.microsoft.com/office/drawing/2014/main" id="{15C5830C-66A7-7D43-AA59-CA38B2219643}"/>
+              </a:ext>
+            </a:extLst>
+          </p:cNvPr>
+          <p:cNvPicPr>
+            <a:picLocks noGrp="1" noChangeAspect="1"/>
+          </p:cNvPicPr>
+          <p:nvPr>
+            <p:ph idx="1"/>
+          </p:nvPr>
+        </p:nvPicPr>
+        <p:blipFill>
+          <a:blip r:embed="rId2"/>
+          <a:stretch>
+            <a:fillRect/>
+          </a:stretch>
+        </p:blipFill>
+        <p:spPr>
+          <a:xfrm>
+            <a:off x="838200" y="2379456"/>
+            <a:ext cx="10515600" cy="3243676"/>
+          </a:xfrm>
+          <a:prstGeom prst="rect">
+            <a:avLst/>
+          </a:prstGeom>
+        </p:spPr>
+      </p:pic>
+    </p:spTree>
+    <p:extLst>
+      <p:ext uri="{BB962C8B-B14F-4D97-AF65-F5344CB8AC3E}">
+        <p14:creationId xmlns:p14="http://schemas.microsoft.com/office/powerpoint/2010/main" val="2562218366"/>
+      </p:ext>
+    </p:extLst>
+  </p:cSld>
+  <p:clrMapOvr>
+    <a:masterClrMapping/>
+  </p:clrMapOvr>
+</p:sld>
+</file>
+
+<file path=ppt/slides/slide32.xml><?xml version="1.0" encoding="utf-8"?>
+<p:sld xmlns:a="http://schemas.openxmlformats.org/drawingml/2006/main" xmlns:r="http://schemas.openxmlformats.org/officeDocument/2006/relationships" xmlns:p="http://schemas.openxmlformats.org/presentationml/2006/main">
+  <p:cSld>
+    <p:spTree>
+      <p:nvGrpSpPr>
+        <p:cNvPr id="1" name=""/>
+        <p:cNvGrpSpPr/>
+        <p:nvPr/>
+      </p:nvGrpSpPr>
+      <p:grpSpPr>
+        <a:xfrm>
+          <a:off x="0" y="0"/>
+          <a:ext cx="0" cy="0"/>
+          <a:chOff x="0" y="0"/>
+          <a:chExt cx="0" cy="0"/>
+        </a:xfrm>
+      </p:grpSpPr>
+      <p:sp>
+        <p:nvSpPr>
+          <p:cNvPr id="2" name="Title 1">
+            <a:extLst>
+              <a:ext uri="{FF2B5EF4-FFF2-40B4-BE49-F238E27FC236}">
+                <a16:creationId xmlns:a16="http://schemas.microsoft.com/office/drawing/2014/main" id="{35D204E8-8301-3848-8F7E-A9928C0C158A}"/>
+              </a:ext>
+            </a:extLst>
+          </p:cNvPr>
+          <p:cNvSpPr>
+            <a:spLocks noGrp="1"/>
+          </p:cNvSpPr>
+          <p:nvPr>
+            <p:ph type="title"/>
+          </p:nvPr>
+        </p:nvSpPr>
+        <p:spPr/>
+        <p:txBody>
+          <a:bodyPr/>
+          <a:lstStyle/>
+          <a:p>
+            <a:r>
+              <a:rPr lang="en-US" dirty="0"/>
+              <a:t>Aside: Choosing </a:t>
+            </a:r>
+            <a:r>
+              <a:rPr lang="en-US" i="1" dirty="0"/>
+              <a:t>g</a:t>
+            </a:r>
+            <a:endParaRPr lang="en-US" dirty="0"/>
+          </a:p>
+        </p:txBody>
+      </p:sp>
+      <p:sp>
+        <p:nvSpPr>
+          <p:cNvPr id="3" name="Content Placeholder 2">
+            <a:extLst>
+              <a:ext uri="{FF2B5EF4-FFF2-40B4-BE49-F238E27FC236}">
+                <a16:creationId xmlns:a16="http://schemas.microsoft.com/office/drawing/2014/main" id="{55E36D2D-C323-614C-A3FC-75BA33B20D6A}"/>
+              </a:ext>
+            </a:extLst>
+          </p:cNvPr>
+          <p:cNvSpPr>
+            <a:spLocks noGrp="1"/>
+          </p:cNvSpPr>
+          <p:nvPr>
+            <p:ph idx="1"/>
+          </p:nvPr>
+        </p:nvSpPr>
+        <p:spPr/>
+        <p:txBody>
+          <a:bodyPr/>
+          <a:lstStyle/>
+          <a:p>
+            <a:r>
+              <a:rPr lang="en-US" dirty="0"/>
+              <a:t>In my experience there is generally some constrains (e.g. you want the best 3 clusters) to cluster choosing</a:t>
+            </a:r>
+          </a:p>
+          <a:p>
+            <a:r>
+              <a:rPr lang="en-US" dirty="0"/>
+              <a:t>Otherwise run 5, 10, 15 etc. clusters and see which feels best</a:t>
+            </a:r>
+          </a:p>
+          <a:p>
+            <a:r>
+              <a:rPr lang="en-US" dirty="0"/>
+              <a:t>Book plots first two principle components and ‘identifies’ 5 clusters to try</a:t>
+            </a:r>
+          </a:p>
+        </p:txBody>
+      </p:sp>
+      <p:pic>
+        <p:nvPicPr>
+          <p:cNvPr id="4" name="Picture 3">
+            <a:extLst>
+              <a:ext uri="{FF2B5EF4-FFF2-40B4-BE49-F238E27FC236}">
+                <a16:creationId xmlns:a16="http://schemas.microsoft.com/office/drawing/2014/main" id="{7EDDF789-A451-3543-8739-C92613483424}"/>
+              </a:ext>
+            </a:extLst>
+          </p:cNvPr>
+          <p:cNvPicPr>
+            <a:picLocks noChangeAspect="1"/>
+          </p:cNvPicPr>
+          <p:nvPr/>
+        </p:nvPicPr>
+        <p:blipFill>
+          <a:blip r:embed="rId2"/>
+          <a:stretch>
+            <a:fillRect/>
+          </a:stretch>
+        </p:blipFill>
+        <p:spPr>
+          <a:xfrm>
+            <a:off x="2744832" y="3595783"/>
+            <a:ext cx="4503867" cy="3137525"/>
+          </a:xfrm>
+          <a:prstGeom prst="rect">
+            <a:avLst/>
+          </a:prstGeom>
+        </p:spPr>
+      </p:pic>
+    </p:spTree>
+    <p:extLst>
+      <p:ext uri="{BB962C8B-B14F-4D97-AF65-F5344CB8AC3E}">
+        <p14:creationId xmlns:p14="http://schemas.microsoft.com/office/powerpoint/2010/main" val="1288377899"/>
+      </p:ext>
+    </p:extLst>
+  </p:cSld>
+  <p:clrMapOvr>
+    <a:masterClrMapping/>
+  </p:clrMapOvr>
+</p:sld>
+</file>
+
+<file path=ppt/slides/slide33.xml><?xml version="1.0" encoding="utf-8"?>
+<p:sld xmlns:a="http://schemas.openxmlformats.org/drawingml/2006/main" xmlns:r="http://schemas.openxmlformats.org/officeDocument/2006/relationships" xmlns:p="http://schemas.openxmlformats.org/presentationml/2006/main">
+  <p:cSld>
+    <p:spTree>
+      <p:nvGrpSpPr>
+        <p:cNvPr id="1" name=""/>
+        <p:cNvGrpSpPr/>
+        <p:nvPr/>
+      </p:nvGrpSpPr>
+      <p:grpSpPr>
+        <a:xfrm>
+          <a:off x="0" y="0"/>
+          <a:ext cx="0" cy="0"/>
+          <a:chOff x="0" y="0"/>
+          <a:chExt cx="0" cy="0"/>
+        </a:xfrm>
+      </p:grpSpPr>
+      <p:sp>
+        <p:nvSpPr>
+          <p:cNvPr id="2" name="Title 1">
+            <a:extLst>
+              <a:ext uri="{FF2B5EF4-FFF2-40B4-BE49-F238E27FC236}">
+                <a16:creationId xmlns:a16="http://schemas.microsoft.com/office/drawing/2014/main" id="{48B21192-178C-F048-BD15-45187185D070}"/>
+              </a:ext>
+            </a:extLst>
+          </p:cNvPr>
+          <p:cNvSpPr>
+            <a:spLocks noGrp="1"/>
+          </p:cNvSpPr>
+          <p:nvPr>
+            <p:ph type="title"/>
+          </p:nvPr>
+        </p:nvSpPr>
+        <p:spPr/>
+        <p:txBody>
+          <a:bodyPr/>
+          <a:lstStyle/>
+          <a:p>
+            <a:r>
+              <a:rPr lang="en-US"/>
+              <a:t>Plot Discriminant </a:t>
+            </a:r>
+            <a:r>
+              <a:rPr lang="en-US" dirty="0"/>
+              <a:t>Functions to assess</a:t>
+            </a:r>
+          </a:p>
+        </p:txBody>
+      </p:sp>
+      <p:pic>
+        <p:nvPicPr>
+          <p:cNvPr id="5" name="Picture 4">
+            <a:extLst>
+              <a:ext uri="{FF2B5EF4-FFF2-40B4-BE49-F238E27FC236}">
+                <a16:creationId xmlns:a16="http://schemas.microsoft.com/office/drawing/2014/main" id="{AA8A8AC2-D0F0-484D-883F-EF13F5B86D60}"/>
+              </a:ext>
+            </a:extLst>
+          </p:cNvPr>
+          <p:cNvPicPr>
+            <a:picLocks noChangeAspect="1"/>
+          </p:cNvPicPr>
+          <p:nvPr/>
+        </p:nvPicPr>
+        <p:blipFill>
+          <a:blip r:embed="rId2"/>
+          <a:stretch>
+            <a:fillRect/>
+          </a:stretch>
+        </p:blipFill>
+        <p:spPr>
+          <a:xfrm>
+            <a:off x="642898" y="1246908"/>
+            <a:ext cx="4360383" cy="2859578"/>
+          </a:xfrm>
+          <a:prstGeom prst="rect">
+            <a:avLst/>
+          </a:prstGeom>
+        </p:spPr>
+      </p:pic>
+      <p:pic>
+        <p:nvPicPr>
+          <p:cNvPr id="6" name="Picture 5">
+            <a:extLst>
+              <a:ext uri="{FF2B5EF4-FFF2-40B4-BE49-F238E27FC236}">
+                <a16:creationId xmlns:a16="http://schemas.microsoft.com/office/drawing/2014/main" id="{306D44C1-B292-E44D-8ACD-C594C3B8F8A8}"/>
+              </a:ext>
+            </a:extLst>
+          </p:cNvPr>
+          <p:cNvPicPr>
+            <a:picLocks noChangeAspect="1"/>
+          </p:cNvPicPr>
+          <p:nvPr/>
+        </p:nvPicPr>
+        <p:blipFill>
+          <a:blip r:embed="rId3"/>
+          <a:stretch>
+            <a:fillRect/>
+          </a:stretch>
+        </p:blipFill>
+        <p:spPr>
+          <a:xfrm>
+            <a:off x="6349540" y="1138842"/>
+            <a:ext cx="4360384" cy="2859579"/>
+          </a:xfrm>
+          <a:prstGeom prst="rect">
+            <a:avLst/>
+          </a:prstGeom>
+        </p:spPr>
+      </p:pic>
+      <p:pic>
+        <p:nvPicPr>
+          <p:cNvPr id="7" name="Picture 6">
+            <a:extLst>
+              <a:ext uri="{FF2B5EF4-FFF2-40B4-BE49-F238E27FC236}">
+                <a16:creationId xmlns:a16="http://schemas.microsoft.com/office/drawing/2014/main" id="{829D6359-C289-A84E-A065-B0268480196D}"/>
+              </a:ext>
+            </a:extLst>
+          </p:cNvPr>
+          <p:cNvPicPr>
+            <a:picLocks noChangeAspect="1"/>
+          </p:cNvPicPr>
+          <p:nvPr/>
+        </p:nvPicPr>
+        <p:blipFill>
+          <a:blip r:embed="rId4"/>
+          <a:stretch>
+            <a:fillRect/>
+          </a:stretch>
+        </p:blipFill>
+        <p:spPr>
+          <a:xfrm>
+            <a:off x="642898" y="3998421"/>
+            <a:ext cx="4360385" cy="2859579"/>
+          </a:xfrm>
+          <a:prstGeom prst="rect">
+            <a:avLst/>
+          </a:prstGeom>
+        </p:spPr>
+      </p:pic>
+      <p:pic>
+        <p:nvPicPr>
+          <p:cNvPr id="8" name="Picture 7">
+            <a:extLst>
+              <a:ext uri="{FF2B5EF4-FFF2-40B4-BE49-F238E27FC236}">
+                <a16:creationId xmlns:a16="http://schemas.microsoft.com/office/drawing/2014/main" id="{3CD96FE7-EA99-7346-BCAC-0A0311E641C8}"/>
+              </a:ext>
+            </a:extLst>
+          </p:cNvPr>
+          <p:cNvPicPr>
+            <a:picLocks noChangeAspect="1"/>
+          </p:cNvPicPr>
+          <p:nvPr/>
+        </p:nvPicPr>
+        <p:blipFill>
+          <a:blip r:embed="rId5"/>
+          <a:stretch>
+            <a:fillRect/>
+          </a:stretch>
+        </p:blipFill>
+        <p:spPr>
+          <a:xfrm>
+            <a:off x="6349540" y="3998420"/>
+            <a:ext cx="4360384" cy="2859579"/>
+          </a:xfrm>
+          <a:prstGeom prst="rect">
+            <a:avLst/>
+          </a:prstGeom>
+        </p:spPr>
+      </p:pic>
+      <p:sp>
+        <p:nvSpPr>
+          <p:cNvPr id="9" name="TextBox 8">
+            <a:extLst>
+              <a:ext uri="{FF2B5EF4-FFF2-40B4-BE49-F238E27FC236}">
+                <a16:creationId xmlns:a16="http://schemas.microsoft.com/office/drawing/2014/main" id="{68DC0BEA-4040-6F47-90DD-5C2C4C5897F2}"/>
+              </a:ext>
+            </a:extLst>
+          </p:cNvPr>
+          <p:cNvSpPr txBox="1"/>
+          <p:nvPr/>
+        </p:nvSpPr>
+        <p:spPr>
+          <a:xfrm>
+            <a:off x="1047404" y="3429000"/>
+            <a:ext cx="2390526" cy="369332"/>
+          </a:xfrm>
+          <a:prstGeom prst="rect">
+            <a:avLst/>
+          </a:prstGeom>
+          <a:noFill/>
+        </p:spPr>
+        <p:txBody>
+          <a:bodyPr wrap="none" rtlCol="0">
+            <a:spAutoFit/>
+          </a:bodyPr>
+          <a:lstStyle/>
+          <a:p>
+            <a:r>
+              <a:rPr lang="en-US" dirty="0"/>
+              <a:t>Random at least r apart</a:t>
+            </a:r>
+          </a:p>
+        </p:txBody>
+      </p:sp>
+      <p:sp>
+        <p:nvSpPr>
+          <p:cNvPr id="10" name="TextBox 9">
+            <a:extLst>
+              <a:ext uri="{FF2B5EF4-FFF2-40B4-BE49-F238E27FC236}">
+                <a16:creationId xmlns:a16="http://schemas.microsoft.com/office/drawing/2014/main" id="{147D6A5E-0925-D349-BFD4-E1E385A37C62}"/>
+              </a:ext>
+            </a:extLst>
+          </p:cNvPr>
+          <p:cNvSpPr txBox="1"/>
+          <p:nvPr/>
+        </p:nvSpPr>
+        <p:spPr>
+          <a:xfrm>
+            <a:off x="6694517" y="3242230"/>
+            <a:ext cx="2165978" cy="369332"/>
+          </a:xfrm>
+          <a:prstGeom prst="rect">
+            <a:avLst/>
+          </a:prstGeom>
+          <a:noFill/>
+        </p:spPr>
+        <p:txBody>
+          <a:bodyPr wrap="none" rtlCol="0">
+            <a:spAutoFit/>
+          </a:bodyPr>
+          <a:lstStyle/>
+          <a:p>
+            <a:r>
+              <a:rPr lang="en-US" dirty="0"/>
+              <a:t>First g at least r apart</a:t>
+            </a:r>
+          </a:p>
+        </p:txBody>
+      </p:sp>
+      <p:sp>
+        <p:nvSpPr>
+          <p:cNvPr id="11" name="TextBox 10">
+            <a:extLst>
+              <a:ext uri="{FF2B5EF4-FFF2-40B4-BE49-F238E27FC236}">
+                <a16:creationId xmlns:a16="http://schemas.microsoft.com/office/drawing/2014/main" id="{226D28BC-CC46-B84F-9145-0F3DEDFF4A7D}"/>
+              </a:ext>
+            </a:extLst>
+          </p:cNvPr>
+          <p:cNvSpPr txBox="1"/>
+          <p:nvPr/>
+        </p:nvSpPr>
+        <p:spPr>
+          <a:xfrm>
+            <a:off x="2524299" y="5594249"/>
+            <a:ext cx="2379819" cy="369332"/>
+          </a:xfrm>
+          <a:prstGeom prst="rect">
+            <a:avLst/>
+          </a:prstGeom>
+          <a:noFill/>
+        </p:spPr>
+        <p:txBody>
+          <a:bodyPr wrap="none" rtlCol="0">
+            <a:spAutoFit/>
+          </a:bodyPr>
+          <a:lstStyle/>
+          <a:p>
+            <a:r>
+              <a:rPr lang="en-US" dirty="0"/>
+              <a:t>Mutually furthest apart</a:t>
+            </a:r>
+          </a:p>
+        </p:txBody>
+      </p:sp>
+      <p:sp>
+        <p:nvSpPr>
+          <p:cNvPr id="12" name="TextBox 11">
+            <a:extLst>
+              <a:ext uri="{FF2B5EF4-FFF2-40B4-BE49-F238E27FC236}">
+                <a16:creationId xmlns:a16="http://schemas.microsoft.com/office/drawing/2014/main" id="{9A21D01E-A2B1-364D-9A92-E88AAC98CFAC}"/>
+              </a:ext>
+            </a:extLst>
+          </p:cNvPr>
+          <p:cNvSpPr txBox="1"/>
+          <p:nvPr/>
+        </p:nvSpPr>
+        <p:spPr>
+          <a:xfrm>
+            <a:off x="6785519" y="5943166"/>
+            <a:ext cx="3436967" cy="369332"/>
+          </a:xfrm>
+          <a:prstGeom prst="rect">
+            <a:avLst/>
+          </a:prstGeom>
+          <a:noFill/>
+        </p:spPr>
+        <p:txBody>
+          <a:bodyPr wrap="none" rtlCol="0">
+            <a:spAutoFit/>
+          </a:bodyPr>
+          <a:lstStyle/>
+          <a:p>
+            <a:r>
+              <a:rPr lang="en-US" dirty="0"/>
+              <a:t>G centroids from g-cluster solution</a:t>
+            </a:r>
+          </a:p>
+        </p:txBody>
+      </p:sp>
+    </p:spTree>
+    <p:extLst>
+      <p:ext uri="{BB962C8B-B14F-4D97-AF65-F5344CB8AC3E}">
+        <p14:creationId xmlns:p14="http://schemas.microsoft.com/office/powerpoint/2010/main" val="1386473239"/>
       </p:ext>
     </p:extLst>
   </p:cSld>
@@ -8041,8 +9206,8 @@
           </a:p>
         </p:txBody>
       </p:sp>
-      <mc:AlternateContent xmlns:mc="http://schemas.openxmlformats.org/markup-compatibility/2006">
-        <mc:Choice xmlns:a14="http://schemas.microsoft.com/office/drawing/2010/main" Requires="a14">
+      <mc:AlternateContent xmlns:mc="http://schemas.openxmlformats.org/markup-compatibility/2006" xmlns:a14="http://schemas.microsoft.com/office/drawing/2010/main">
+        <mc:Choice Requires="a14">
           <p:sp>
             <p:nvSpPr>
               <p:cNvPr id="3" name="Content Placeholder 2">
@@ -8164,7 +9329,7 @@
             </p:txBody>
           </p:sp>
         </mc:Choice>
-        <mc:Fallback>
+        <mc:Fallback xmlns="">
           <p:sp>
             <p:nvSpPr>
               <p:cNvPr id="3" name="Content Placeholder 2">
@@ -8768,8 +9933,8 @@
             </a:prstGeom>
           </p:spPr>
         </p:pic>
-        <mc:AlternateContent xmlns:mc="http://schemas.openxmlformats.org/markup-compatibility/2006">
-          <mc:Choice xmlns:p14="http://schemas.microsoft.com/office/powerpoint/2010/main" Requires="p14">
+        <mc:AlternateContent xmlns:mc="http://schemas.openxmlformats.org/markup-compatibility/2006" xmlns:p14="http://schemas.microsoft.com/office/powerpoint/2010/main">
+          <mc:Choice Requires="p14">
             <p:contentPart p14:bwMode="auto" r:id="rId4">
               <p14:nvContentPartPr>
                 <p14:cNvPr id="3" name="Ink 2">
@@ -8788,7 +9953,7 @@
               </p14:xfrm>
             </p:contentPart>
           </mc:Choice>
-          <mc:Fallback>
+          <mc:Fallback xmlns="">
             <p:pic>
               <p:nvPicPr>
                 <p:cNvPr id="3" name="Ink 2">
@@ -8819,8 +9984,8 @@
             </p:pic>
           </mc:Fallback>
         </mc:AlternateContent>
-        <mc:AlternateContent xmlns:mc="http://schemas.openxmlformats.org/markup-compatibility/2006">
-          <mc:Choice xmlns:p14="http://schemas.microsoft.com/office/powerpoint/2010/main" Requires="p14">
+        <mc:AlternateContent xmlns:mc="http://schemas.openxmlformats.org/markup-compatibility/2006" xmlns:p14="http://schemas.microsoft.com/office/powerpoint/2010/main">
+          <mc:Choice Requires="p14">
             <p:contentPart p14:bwMode="auto" r:id="rId6">
               <p14:nvContentPartPr>
                 <p14:cNvPr id="4" name="Ink 3">
@@ -8839,7 +10004,7 @@
               </p14:xfrm>
             </p:contentPart>
           </mc:Choice>
-          <mc:Fallback>
+          <mc:Fallback xmlns="">
             <p:pic>
               <p:nvPicPr>
                 <p:cNvPr id="4" name="Ink 3">
@@ -8870,8 +10035,8 @@
             </p:pic>
           </mc:Fallback>
         </mc:AlternateContent>
-        <mc:AlternateContent xmlns:mc="http://schemas.openxmlformats.org/markup-compatibility/2006">
-          <mc:Choice xmlns:p14="http://schemas.microsoft.com/office/powerpoint/2010/main" Requires="p14">
+        <mc:AlternateContent xmlns:mc="http://schemas.openxmlformats.org/markup-compatibility/2006" xmlns:p14="http://schemas.microsoft.com/office/powerpoint/2010/main">
+          <mc:Choice Requires="p14">
             <p:contentPart p14:bwMode="auto" r:id="rId8">
               <p14:nvContentPartPr>
                 <p14:cNvPr id="5" name="Ink 4">
@@ -8890,7 +10055,7 @@
               </p14:xfrm>
             </p:contentPart>
           </mc:Choice>
-          <mc:Fallback>
+          <mc:Fallback xmlns="">
             <p:pic>
               <p:nvPicPr>
                 <p:cNvPr id="5" name="Ink 4">
@@ -8921,8 +10086,8 @@
             </p:pic>
           </mc:Fallback>
         </mc:AlternateContent>
-        <mc:AlternateContent xmlns:mc="http://schemas.openxmlformats.org/markup-compatibility/2006">
-          <mc:Choice xmlns:p14="http://schemas.microsoft.com/office/powerpoint/2010/main" Requires="p14">
+        <mc:AlternateContent xmlns:mc="http://schemas.openxmlformats.org/markup-compatibility/2006" xmlns:p14="http://schemas.microsoft.com/office/powerpoint/2010/main">
+          <mc:Choice Requires="p14">
             <p:contentPart p14:bwMode="auto" r:id="rId10">
               <p14:nvContentPartPr>
                 <p14:cNvPr id="6" name="Ink 5">
@@ -8941,7 +10106,7 @@
               </p14:xfrm>
             </p:contentPart>
           </mc:Choice>
-          <mc:Fallback>
+          <mc:Fallback xmlns="">
             <p:pic>
               <p:nvPicPr>
                 <p:cNvPr id="6" name="Ink 5">
